--- a/Daily Agendas/Day10.1_MidtermPart3_Nov06.pptx
+++ b/Daily Agendas/Day10.1_MidtermPart3_Nov06.pptx
@@ -303,7 +303,7 @@
             <a:fld id="{1D8BD707-D9CF-40AE-B4C6-C98DA3205C09}" type="datetimeFigureOut">
               <a:rPr lang="en-US" smtClean="0"/>
               <a:pPr/>
-              <a:t>11/3/2017</a:t>
+              <a:t>11/6/2017</a:t>
             </a:fld>
             <a:endParaRPr lang="en-US"/>
           </a:p>
@@ -468,7 +468,7 @@
             <a:fld id="{1D8BD707-D9CF-40AE-B4C6-C98DA3205C09}" type="datetimeFigureOut">
               <a:rPr lang="en-US" smtClean="0"/>
               <a:pPr/>
-              <a:t>11/3/2017</a:t>
+              <a:t>11/6/2017</a:t>
             </a:fld>
             <a:endParaRPr lang="en-US"/>
           </a:p>
@@ -643,7 +643,7 @@
             <a:fld id="{1D8BD707-D9CF-40AE-B4C6-C98DA3205C09}" type="datetimeFigureOut">
               <a:rPr lang="en-US" smtClean="0"/>
               <a:pPr/>
-              <a:t>11/3/2017</a:t>
+              <a:t>11/6/2017</a:t>
             </a:fld>
             <a:endParaRPr lang="en-US"/>
           </a:p>
@@ -808,7 +808,7 @@
             <a:fld id="{1D8BD707-D9CF-40AE-B4C6-C98DA3205C09}" type="datetimeFigureOut">
               <a:rPr lang="en-US" smtClean="0"/>
               <a:pPr/>
-              <a:t>11/3/2017</a:t>
+              <a:t>11/6/2017</a:t>
             </a:fld>
             <a:endParaRPr lang="en-US"/>
           </a:p>
@@ -1050,7 +1050,7 @@
             <a:fld id="{1D8BD707-D9CF-40AE-B4C6-C98DA3205C09}" type="datetimeFigureOut">
               <a:rPr lang="en-US" smtClean="0"/>
               <a:pPr/>
-              <a:t>11/3/2017</a:t>
+              <a:t>11/6/2017</a:t>
             </a:fld>
             <a:endParaRPr lang="en-US"/>
           </a:p>
@@ -1332,7 +1332,7 @@
             <a:fld id="{1D8BD707-D9CF-40AE-B4C6-C98DA3205C09}" type="datetimeFigureOut">
               <a:rPr lang="en-US" smtClean="0"/>
               <a:pPr/>
-              <a:t>11/3/2017</a:t>
+              <a:t>11/6/2017</a:t>
             </a:fld>
             <a:endParaRPr lang="en-US"/>
           </a:p>
@@ -1748,7 +1748,7 @@
             <a:fld id="{1D8BD707-D9CF-40AE-B4C6-C98DA3205C09}" type="datetimeFigureOut">
               <a:rPr lang="en-US" smtClean="0"/>
               <a:pPr/>
-              <a:t>11/3/2017</a:t>
+              <a:t>11/6/2017</a:t>
             </a:fld>
             <a:endParaRPr lang="en-US"/>
           </a:p>
@@ -1862,7 +1862,7 @@
             <a:fld id="{1D8BD707-D9CF-40AE-B4C6-C98DA3205C09}" type="datetimeFigureOut">
               <a:rPr lang="en-US" smtClean="0"/>
               <a:pPr/>
-              <a:t>11/3/2017</a:t>
+              <a:t>11/6/2017</a:t>
             </a:fld>
             <a:endParaRPr lang="en-US"/>
           </a:p>
@@ -1954,7 +1954,7 @@
             <a:fld id="{1D8BD707-D9CF-40AE-B4C6-C98DA3205C09}" type="datetimeFigureOut">
               <a:rPr lang="en-US" smtClean="0"/>
               <a:pPr/>
-              <a:t>11/3/2017</a:t>
+              <a:t>11/6/2017</a:t>
             </a:fld>
             <a:endParaRPr lang="en-US"/>
           </a:p>
@@ -2226,7 +2226,7 @@
             <a:fld id="{1D8BD707-D9CF-40AE-B4C6-C98DA3205C09}" type="datetimeFigureOut">
               <a:rPr lang="en-US" smtClean="0"/>
               <a:pPr/>
-              <a:t>11/3/2017</a:t>
+              <a:t>11/6/2017</a:t>
             </a:fld>
             <a:endParaRPr lang="en-US"/>
           </a:p>
@@ -2475,7 +2475,7 @@
             <a:fld id="{1D8BD707-D9CF-40AE-B4C6-C98DA3205C09}" type="datetimeFigureOut">
               <a:rPr lang="en-US" smtClean="0"/>
               <a:pPr/>
-              <a:t>11/3/2017</a:t>
+              <a:t>11/6/2017</a:t>
             </a:fld>
             <a:endParaRPr lang="en-US"/>
           </a:p>
@@ -2683,7 +2683,7 @@
             <a:fld id="{1D8BD707-D9CF-40AE-B4C6-C98DA3205C09}" type="datetimeFigureOut">
               <a:rPr lang="en-US" smtClean="0"/>
               <a:pPr/>
-              <a:t>11/3/2017</a:t>
+              <a:t>11/6/2017</a:t>
             </a:fld>
             <a:endParaRPr lang="en-US"/>
           </a:p>
@@ -3085,11 +3085,7 @@
             </a:r>
             <a:r>
               <a:rPr lang="en-US" sz="3600" dirty="0" smtClean="0"/>
-              <a:t>Nov </a:t>
-            </a:r>
-            <a:r>
-              <a:rPr lang="en-US" sz="3600" dirty="0" smtClean="0"/>
-              <a:t>06</a:t>
+              <a:t>Nov 06</a:t>
             </a:r>
             <a:endParaRPr lang="en-US" sz="3600" dirty="0"/>
           </a:p>
@@ -3121,19 +3117,15 @@
             <a:pPr lvl="1"/>
             <a:r>
               <a:rPr lang="en-CA" dirty="0" smtClean="0"/>
-              <a:t>Midterm </a:t>
-            </a:r>
+              <a:t>Midterm Part 3 – Group Cooperation</a:t>
+            </a:r>
+            <a:endParaRPr lang="en-CA" dirty="0"/>
+          </a:p>
+          <a:p>
+            <a:pPr lvl="2"/>
             <a:r>
               <a:rPr lang="en-CA" dirty="0" smtClean="0"/>
-              <a:t>Part 3 – Group Cooperation</a:t>
-            </a:r>
-            <a:endParaRPr lang="en-CA" dirty="0"/>
-          </a:p>
-          <a:p>
-            <a:pPr lvl="2"/>
-            <a:r>
-              <a:rPr lang="en-CA" dirty="0" smtClean="0"/>
-              <a:t>Part 1 Re-Write – 30 min</a:t>
+              <a:t>Part 1 Re-Write – 50 min (Complete)</a:t>
             </a:r>
           </a:p>
           <a:p>
@@ -3148,7 +3140,11 @@
             </a:r>
             <a:r>
               <a:rPr lang="en-CA" dirty="0" smtClean="0"/>
-              <a:t>– 40 min</a:t>
+              <a:t>– 20 min (</a:t>
+            </a:r>
+            <a:r>
+              <a:rPr lang="en-CA" dirty="0" smtClean="0"/>
+              <a:t>Prep Today / Complete Tomorrow)</a:t>
             </a:r>
             <a:endParaRPr lang="en-CA" dirty="0"/>
           </a:p>
@@ -3195,7 +3191,7 @@
           <a:p>
             <a:pPr lvl="1"/>
             <a:r>
-              <a:rPr lang="en-US" sz="2400" smtClean="0"/>
+              <a:rPr lang="en-US" sz="2400" dirty="0" smtClean="0"/>
               <a:t>TODAY: </a:t>
             </a:r>
             <a:r>
